--- a/REST PPT.pptx
+++ b/REST PPT.pptx
@@ -4468,7 +4468,7 @@
         </p:spPr>
         <p:txBody>
           <a:bodyPr>
-            <a:normAutofit fontScale="85000" lnSpcReduction="20000"/>
+            <a:normAutofit/>
           </a:bodyPr>
           <a:lstStyle/>
           <a:p>
@@ -4476,7 +4476,7 @@
               <a:buNone/>
             </a:pPr>
             <a:r>
-              <a:rPr lang="en-IN" dirty="0"/>
+              <a:rPr lang="en-IN" sz="1400" dirty="0"/>
               <a:t>The payload means body in http response message is optional and depends on http status code i.e.,</a:t>
             </a:r>
           </a:p>
@@ -4485,7 +4485,7 @@
               <a:buNone/>
             </a:pPr>
             <a:r>
-              <a:rPr lang="en-IN" dirty="0"/>
+              <a:rPr lang="en-IN" sz="1400" dirty="0"/>
               <a:t>	-In case of 204 status code, the http response message without body</a:t>
             </a:r>
           </a:p>
@@ -4494,7 +4494,7 @@
               <a:buNone/>
             </a:pPr>
             <a:r>
-              <a:rPr lang="en-IN" dirty="0"/>
+              <a:rPr lang="en-IN" sz="1400" dirty="0"/>
               <a:t>	-In case of 200 status code, the http response message with body</a:t>
             </a:r>
           </a:p>
@@ -4502,14 +4502,14 @@
             <a:pPr marL="57150" indent="0">
               <a:buNone/>
             </a:pPr>
-            <a:endParaRPr lang="en-IN" dirty="0"/>
+            <a:endParaRPr lang="en-IN" sz="1400" dirty="0"/>
           </a:p>
           <a:p>
             <a:pPr marL="57150" indent="0">
               <a:buNone/>
             </a:pPr>
             <a:r>
-              <a:rPr lang="en-IN" dirty="0"/>
+              <a:rPr lang="en-IN" sz="1400" dirty="0"/>
               <a:t>The 'Content-Type' header name in http response message is used to represent payload format in http response message.</a:t>
             </a:r>
           </a:p>
@@ -4518,7 +4518,7 @@
               <a:buNone/>
             </a:pPr>
             <a:r>
-              <a:rPr lang="en-IN" dirty="0"/>
+              <a:rPr lang="en-IN" sz="1400" dirty="0"/>
               <a:t>Conclusion:</a:t>
             </a:r>
           </a:p>
@@ -4527,7 +4527,7 @@
               <a:buNone/>
             </a:pPr>
             <a:r>
-              <a:rPr lang="en-IN" dirty="0"/>
+              <a:rPr lang="en-IN" sz="1400" dirty="0"/>
               <a:t>   1) Both http request header and http response header contains 'Content-Type' to represent payload formats.</a:t>
             </a:r>
           </a:p>
@@ -4536,7 +4536,7 @@
               <a:buNone/>
             </a:pPr>
             <a:r>
-              <a:rPr lang="en-IN" dirty="0"/>
+              <a:rPr lang="en-IN" sz="1400" dirty="0"/>
               <a:t>   2) Only http request header additionally contains 'Accept' to represent expected payload format in http response message.</a:t>
             </a:r>
           </a:p>
@@ -4545,7 +4545,7 @@
               <a:buNone/>
             </a:pPr>
             <a:r>
-              <a:rPr lang="en-IN" dirty="0"/>
+              <a:rPr lang="en-IN" sz="1400" dirty="0"/>
               <a:t>   3) The 'Accept' in request header and 'Content-Type' in response header must be same then only client will accept and process http response message.</a:t>
             </a:r>
           </a:p>
@@ -5268,8 +5268,8 @@
         </p:nvSpPr>
         <p:spPr>
           <a:xfrm>
-            <a:off x="1097280" y="1817077"/>
-            <a:ext cx="10058400" cy="4431323"/>
+            <a:off x="1097280" y="1910862"/>
+            <a:ext cx="10058400" cy="4337538"/>
           </a:xfrm>
         </p:spPr>
         <p:txBody>
@@ -5282,239 +5282,237 @@
               <a:buNone/>
             </a:pPr>
             <a:r>
-              <a:rPr lang="en-IN" sz="1200" b="1" dirty="0" smtClean="0"/>
+              <a:rPr lang="en-IN" sz="1400" b="1" dirty="0" smtClean="0"/>
               <a:t>The </a:t>
             </a:r>
             <a:r>
-              <a:rPr lang="en-IN" sz="1200" b="1" dirty="0"/>
+              <a:rPr lang="en-IN" sz="1400" b="1" dirty="0"/>
               <a:t>Http response message contains any one of the http status code ranges between 100 and 599:</a:t>
             </a:r>
           </a:p>
           <a:p>
             <a:pPr hangingPunct="0"/>
             <a:r>
-              <a:rPr lang="en-IN" sz="1200" b="1" dirty="0"/>
+              <a:rPr lang="en-IN" sz="1400" b="1" dirty="0"/>
               <a:t>	Informational 	</a:t>
             </a:r>
             <a:r>
-              <a:rPr lang="en-IN" sz="1200" b="1" dirty="0" smtClean="0"/>
+              <a:rPr lang="en-IN" sz="1400" b="1" dirty="0" smtClean="0"/>
               <a:t>	: </a:t>
             </a:r>
             <a:r>
-              <a:rPr lang="en-IN" sz="1200" b="1" dirty="0"/>
+              <a:rPr lang="en-IN" sz="1400" b="1" dirty="0"/>
               <a:t>1xx</a:t>
             </a:r>
           </a:p>
           <a:p>
             <a:pPr hangingPunct="0"/>
             <a:r>
-              <a:rPr lang="en-IN" sz="1200" b="1" dirty="0"/>
+              <a:rPr lang="en-IN" sz="1400" b="1" dirty="0"/>
               <a:t>	</a:t>
             </a:r>
             <a:r>
-              <a:rPr lang="en-IN" sz="1200" b="1" dirty="0" err="1"/>
+              <a:rPr lang="en-IN" sz="1400" b="1" dirty="0" err="1"/>
               <a:t>Successfull</a:t>
             </a:r>
             <a:r>
-              <a:rPr lang="en-IN" sz="1200" b="1" dirty="0"/>
+              <a:rPr lang="en-IN" sz="1400" b="1" dirty="0"/>
               <a:t>   	</a:t>
             </a:r>
             <a:r>
-              <a:rPr lang="en-IN" sz="1200" b="1" dirty="0" smtClean="0"/>
+              <a:rPr lang="en-IN" sz="1400" b="1" dirty="0" smtClean="0"/>
               <a:t>	: </a:t>
             </a:r>
             <a:r>
-              <a:rPr lang="en-IN" sz="1200" b="1" dirty="0"/>
+              <a:rPr lang="en-IN" sz="1400" b="1" dirty="0"/>
               <a:t>2xx</a:t>
             </a:r>
           </a:p>
           <a:p>
             <a:pPr hangingPunct="0"/>
             <a:r>
-              <a:rPr lang="en-IN" sz="1200" b="1" dirty="0"/>
+              <a:rPr lang="en-IN" sz="1400" b="1" dirty="0"/>
               <a:t>	</a:t>
             </a:r>
             <a:r>
-              <a:rPr lang="en-IN" sz="1200" b="1" dirty="0" err="1"/>
+              <a:rPr lang="en-IN" sz="1400" b="1" dirty="0" err="1"/>
               <a:t>Redirectional</a:t>
             </a:r>
             <a:r>
-              <a:rPr lang="en-IN" sz="1200" b="1" dirty="0"/>
+              <a:rPr lang="en-IN" sz="1400" b="1" dirty="0"/>
               <a:t>     </a:t>
             </a:r>
             <a:r>
-              <a:rPr lang="en-IN" sz="1200" b="1" dirty="0" smtClean="0"/>
+              <a:rPr lang="en-IN" sz="1400" b="1" dirty="0" smtClean="0"/>
+              <a:t>	</a:t>
+            </a:r>
+            <a:r>
+              <a:rPr lang="en-IN" sz="1400" b="1" dirty="0" smtClean="0"/>
               <a:t>	: </a:t>
             </a:r>
             <a:r>
-              <a:rPr lang="en-IN" sz="1200" b="1" dirty="0"/>
+              <a:rPr lang="en-IN" sz="1400" b="1" dirty="0"/>
               <a:t>3xx</a:t>
             </a:r>
           </a:p>
           <a:p>
             <a:pPr hangingPunct="0"/>
             <a:r>
-              <a:rPr lang="en-IN" sz="1200" b="1" dirty="0"/>
+              <a:rPr lang="en-IN" sz="1400" b="1" dirty="0"/>
               <a:t>	Client side error </a:t>
             </a:r>
             <a:r>
-              <a:rPr lang="en-IN" sz="1200" b="1" dirty="0" smtClean="0"/>
+              <a:rPr lang="en-IN" sz="1400" b="1" dirty="0" smtClean="0"/>
+              <a:t>	</a:t>
+            </a:r>
+            <a:r>
+              <a:rPr lang="en-IN" sz="1400" b="1" dirty="0" smtClean="0"/>
               <a:t>	: </a:t>
             </a:r>
             <a:r>
-              <a:rPr lang="en-IN" sz="1200" b="1" dirty="0"/>
+              <a:rPr lang="en-IN" sz="1400" b="1" dirty="0"/>
               <a:t>4xx</a:t>
             </a:r>
           </a:p>
           <a:p>
             <a:pPr hangingPunct="0"/>
             <a:r>
-              <a:rPr lang="en-IN" sz="1200" b="1" dirty="0"/>
+              <a:rPr lang="en-IN" sz="1400" b="1" dirty="0"/>
               <a:t>	Server side error </a:t>
             </a:r>
             <a:r>
-              <a:rPr lang="en-IN" sz="1200" b="1" dirty="0" smtClean="0"/>
-              <a:t>	: 5xx</a:t>
+              <a:rPr lang="en-IN" sz="1400" b="1" dirty="0" smtClean="0"/>
+              <a:t>	</a:t>
+            </a:r>
+            <a:r>
+              <a:rPr lang="en-IN" sz="1400" b="1" dirty="0" smtClean="0"/>
+              <a:t>	: </a:t>
+            </a:r>
+            <a:r>
+              <a:rPr lang="en-IN" sz="1400" b="1" dirty="0" smtClean="0"/>
+              <a:t>5xx</a:t>
             </a:r>
           </a:p>
           <a:p>
             <a:pPr hangingPunct="0"/>
             <a:r>
-              <a:rPr lang="en-US" sz="1200" b="1" dirty="0" smtClean="0"/>
+              <a:rPr lang="en-US" sz="1400" b="1" dirty="0" smtClean="0"/>
               <a:t>Sample HTTP Status Codes:</a:t>
             </a:r>
-            <a:endParaRPr lang="en-IN" sz="1200" b="1" dirty="0"/>
+            <a:endParaRPr lang="en-IN" sz="1400" b="1" dirty="0"/>
           </a:p>
           <a:p>
             <a:pPr hangingPunct="0"/>
             <a:r>
-              <a:rPr lang="en-US" sz="1200" b="1" dirty="0" smtClean="0"/>
+              <a:rPr lang="en-US" sz="1400" b="1" dirty="0" smtClean="0"/>
               <a:t>200 </a:t>
             </a:r>
             <a:r>
-              <a:rPr lang="en-US" sz="1200" b="1" dirty="0"/>
+              <a:rPr lang="en-US" sz="1400" b="1" dirty="0"/>
               <a:t>(OK) </a:t>
             </a:r>
             <a:r>
-              <a:rPr lang="en-US" sz="1200" dirty="0"/>
+              <a:rPr lang="en-US" sz="1400" dirty="0"/>
               <a:t>– General success status code. </a:t>
             </a:r>
-            <a:endParaRPr lang="en-US" sz="1200" dirty="0" smtClean="0"/>
+            <a:endParaRPr lang="en-US" sz="1400" dirty="0" smtClean="0"/>
           </a:p>
           <a:p>
             <a:pPr hangingPunct="0"/>
             <a:r>
-              <a:rPr lang="en-US" sz="1200" b="1" dirty="0" smtClean="0"/>
+              <a:rPr lang="en-US" sz="1400" b="1" dirty="0" smtClean="0"/>
               <a:t>201 </a:t>
             </a:r>
             <a:r>
-              <a:rPr lang="en-US" sz="1200" b="1" dirty="0"/>
+              <a:rPr lang="en-US" sz="1400" b="1" dirty="0"/>
               <a:t>(CREATED) </a:t>
             </a:r>
             <a:r>
-              <a:rPr lang="en-US" sz="1200" dirty="0"/>
+              <a:rPr lang="en-US" sz="1400" dirty="0"/>
               <a:t>– Successful creation occurred (via either POST or PUT). </a:t>
             </a:r>
             <a:r>
-              <a:rPr lang="en-US" sz="1200" dirty="0" smtClean="0"/>
+              <a:rPr lang="en-US" sz="1400" dirty="0" smtClean="0"/>
               <a:t>Response </a:t>
             </a:r>
             <a:r>
-              <a:rPr lang="en-US" sz="1200" dirty="0"/>
+              <a:rPr lang="en-US" sz="1400" dirty="0"/>
               <a:t>body content may or may not be </a:t>
             </a:r>
             <a:r>
-              <a:rPr lang="en-US" sz="1200" dirty="0" smtClean="0"/>
+              <a:rPr lang="en-US" sz="1400" dirty="0" smtClean="0"/>
               <a:t>present. </a:t>
             </a:r>
-            <a:endParaRPr lang="en-IN" sz="1200" dirty="0"/>
-          </a:p>
-          <a:p>
-            <a:r>
-              <a:rPr lang="en-US" sz="1200" b="1" dirty="0" smtClean="0"/>
+            <a:endParaRPr lang="en-IN" sz="1400" dirty="0"/>
+          </a:p>
+          <a:p>
+            <a:r>
+              <a:rPr lang="en-US" sz="1400" b="1" dirty="0" smtClean="0"/>
               <a:t>400 </a:t>
             </a:r>
             <a:r>
-              <a:rPr lang="en-US" sz="1200" b="1" dirty="0"/>
+              <a:rPr lang="en-US" sz="1400" b="1" dirty="0"/>
               <a:t>(BAD REQUEST) </a:t>
             </a:r>
             <a:r>
-              <a:rPr lang="en-US" sz="1200" dirty="0" smtClean="0"/>
+              <a:rPr lang="en-US" sz="1400" dirty="0" smtClean="0"/>
               <a:t>– Request with </a:t>
             </a:r>
             <a:r>
-              <a:rPr lang="en-US" sz="1200" dirty="0"/>
+              <a:rPr lang="en-US" sz="1400" dirty="0"/>
               <a:t>invalid </a:t>
             </a:r>
             <a:r>
-              <a:rPr lang="en-US" sz="1200" dirty="0" smtClean="0"/>
+              <a:rPr lang="en-US" sz="1400" dirty="0" smtClean="0"/>
               <a:t>state (Ex. missing data) </a:t>
             </a:r>
             <a:r>
-              <a:rPr lang="en-US" sz="1200" dirty="0"/>
+              <a:rPr lang="en-US" sz="1400" dirty="0"/>
               <a:t>etc. </a:t>
             </a:r>
-            <a:endParaRPr lang="en-US" sz="1200" dirty="0" smtClean="0"/>
-          </a:p>
-          <a:p>
-            <a:r>
-              <a:rPr lang="en-US" sz="1200" b="1" dirty="0" smtClean="0"/>
-              <a:t>401 </a:t>
-            </a:r>
-            <a:r>
-              <a:rPr lang="en-US" sz="1200" b="1" dirty="0"/>
-              <a:t>(UNAUTHORIZED) </a:t>
-            </a:r>
-            <a:r>
-              <a:rPr lang="en-US" sz="1200" dirty="0"/>
-              <a:t>– Error code missing or invalid authentication </a:t>
-            </a:r>
-            <a:r>
-              <a:rPr lang="en-US" sz="1200" dirty="0" smtClean="0"/>
-              <a:t>token. </a:t>
-            </a:r>
-          </a:p>
-          <a:p>
-            <a:r>
-              <a:rPr lang="en-US" sz="1200" b="1" dirty="0" smtClean="0"/>
+            <a:endParaRPr lang="en-US" sz="1400" dirty="0" smtClean="0"/>
+          </a:p>
+          <a:p>
+            <a:r>
+              <a:rPr lang="en-US" sz="1400" b="1" dirty="0" smtClean="0"/>
               <a:t>404 </a:t>
             </a:r>
             <a:r>
-              <a:rPr lang="en-US" sz="1200" b="1" dirty="0"/>
+              <a:rPr lang="en-US" sz="1400" b="1" dirty="0"/>
               <a:t>(NOT FOUND) </a:t>
             </a:r>
             <a:r>
-              <a:rPr lang="en-US" sz="1200" dirty="0"/>
+              <a:rPr lang="en-US" sz="1400" dirty="0"/>
               <a:t>– Used when the requested resource is not </a:t>
             </a:r>
             <a:r>
-              <a:rPr lang="en-US" sz="1200" dirty="0" smtClean="0"/>
+              <a:rPr lang="en-US" sz="1400" dirty="0" smtClean="0"/>
               <a:t>found</a:t>
             </a:r>
-            <a:endParaRPr lang="en-IN" sz="1200" dirty="0"/>
-          </a:p>
-          <a:p>
-            <a:r>
-              <a:rPr lang="en-US" sz="1200" b="1" dirty="0" smtClean="0"/>
+            <a:endParaRPr lang="en-IN" sz="1400" dirty="0"/>
+          </a:p>
+          <a:p>
+            <a:r>
+              <a:rPr lang="en-US" sz="1400" b="1" dirty="0" smtClean="0"/>
               <a:t>500 </a:t>
             </a:r>
             <a:r>
-              <a:rPr lang="en-US" sz="1200" b="1" dirty="0"/>
+              <a:rPr lang="en-US" sz="1400" b="1" dirty="0"/>
               <a:t>(INTERNAL SERVER ERROR) </a:t>
             </a:r>
             <a:r>
-              <a:rPr lang="en-US" sz="1200" dirty="0"/>
+              <a:rPr lang="en-US" sz="1400" dirty="0"/>
               <a:t>– The general catch-all error when the server-side throws an</a:t>
             </a:r>
             <a:r>
-              <a:rPr lang="en-US" sz="1200" b="1" dirty="0"/>
+              <a:rPr lang="en-US" sz="1400" b="1" dirty="0"/>
               <a:t> </a:t>
             </a:r>
             <a:r>
-              <a:rPr lang="en-US" sz="1200" dirty="0"/>
+              <a:rPr lang="en-US" sz="1400" dirty="0"/>
               <a:t>exception.</a:t>
             </a:r>
-            <a:endParaRPr lang="en-IN" sz="1200" dirty="0"/>
+            <a:endParaRPr lang="en-IN" sz="1400" dirty="0"/>
           </a:p>
         </p:txBody>
       </p:sp>
@@ -5981,21 +5979,42 @@
             </a:r>
           </a:p>
           <a:p>
+            <a:pPr marL="0" indent="0">
+              <a:buNone/>
+            </a:pPr>
+            <a:r>
+              <a:rPr lang="en-US" sz="1400" dirty="0" smtClean="0"/>
+              <a:t>	Services </a:t>
+            </a:r>
             <a:r>
               <a:rPr lang="en-US" sz="1400" dirty="0"/>
-              <a:t>Services are annotation driven</a:t>
-            </a:r>
-          </a:p>
-          <a:p>
+              <a:t>are annotation driven</a:t>
+            </a:r>
+          </a:p>
+          <a:p>
+            <a:pPr marL="0" indent="0">
+              <a:buNone/>
+            </a:pPr>
+            <a:r>
+              <a:rPr lang="en-US" sz="1400" dirty="0" smtClean="0"/>
+              <a:t>	Provides </a:t>
+            </a:r>
             <a:r>
               <a:rPr lang="en-US" sz="1400" dirty="0"/>
-              <a:t>Provides support for data binding.</a:t>
-            </a:r>
-          </a:p>
-          <a:p>
+              <a:t>support for data binding.</a:t>
+            </a:r>
+          </a:p>
+          <a:p>
+            <a:pPr marL="0" indent="0">
+              <a:buNone/>
+            </a:pPr>
+            <a:r>
+              <a:rPr lang="en-US" sz="1400" dirty="0" smtClean="0"/>
+              <a:t>	Provides </a:t>
+            </a:r>
             <a:r>
               <a:rPr lang="en-US" sz="1400" dirty="0"/>
-              <a:t>Provides advanced APIs for content negotiation.</a:t>
+              <a:t>advanced APIs for content negotiation.</a:t>
             </a:r>
           </a:p>
           <a:p>
@@ -6008,21 +6027,42 @@
             </a:r>
           </a:p>
           <a:p>
+            <a:pPr marL="0" indent="0">
+              <a:buNone/>
+            </a:pPr>
+            <a:r>
+              <a:rPr lang="en-US" sz="1400" dirty="0" smtClean="0"/>
+              <a:t>	Supports </a:t>
+            </a:r>
             <a:r>
               <a:rPr lang="en-US" sz="1400" dirty="0"/>
-              <a:t>Supports CXF filters, interceptors, and invokers to customize and extend the service.</a:t>
-            </a:r>
-          </a:p>
-          <a:p>
+              <a:t>CXF filters, interceptors, and invokers to customize and extend the service.</a:t>
+            </a:r>
+          </a:p>
+          <a:p>
+            <a:pPr marL="0" indent="0">
+              <a:buNone/>
+            </a:pPr>
+            <a:r>
+              <a:rPr lang="en-US" sz="1400" dirty="0" smtClean="0"/>
+              <a:t>	Configurable </a:t>
+            </a:r>
             <a:r>
               <a:rPr lang="en-US" sz="1400" dirty="0"/>
-              <a:t>Configurable through Spring.</a:t>
-            </a:r>
-          </a:p>
-          <a:p>
+              <a:t>through Spring.</a:t>
+            </a:r>
+          </a:p>
+          <a:p>
+            <a:pPr marL="0" indent="0">
+              <a:buNone/>
+            </a:pPr>
+            <a:r>
+              <a:rPr lang="en-US" sz="1400" dirty="0" smtClean="0"/>
+              <a:t>	Integrates </a:t>
+            </a:r>
             <a:r>
               <a:rPr lang="en-US" sz="1400" dirty="0"/>
-              <a:t>Integrates with security providers.</a:t>
+              <a:t>with security providers.</a:t>
             </a:r>
           </a:p>
           <a:p>
@@ -6384,15 +6424,29 @@
             </a:r>
           </a:p>
           <a:p>
+            <a:pPr marL="0" indent="0">
+              <a:buNone/>
+            </a:pPr>
+            <a:r>
+              <a:rPr lang="en-US" sz="1400" dirty="0" smtClean="0"/>
+              <a:t>	Annotation </a:t>
+            </a:r>
             <a:r>
               <a:rPr lang="en-US" sz="1400" dirty="0"/>
-              <a:t>Annotation driven</a:t>
-            </a:r>
-          </a:p>
-          <a:p>
+              <a:t>driven</a:t>
+            </a:r>
+          </a:p>
+          <a:p>
+            <a:pPr marL="0" indent="0">
+              <a:buNone/>
+            </a:pPr>
+            <a:r>
+              <a:rPr lang="en-US" sz="1400" dirty="0" smtClean="0"/>
+              <a:t>	Supports </a:t>
+            </a:r>
             <a:r>
               <a:rPr lang="en-US" sz="1400" dirty="0"/>
-              <a:t>Supports a </a:t>
+              <a:t>a </a:t>
             </a:r>
             <a:r>
               <a:rPr lang="en-US" sz="1400" dirty="0" err="1"/>
@@ -6404,13 +6458,16 @@
             </a:r>
           </a:p>
           <a:p>
-            <a:r>
-              <a:rPr lang="en-US" sz="1400" u="sng" dirty="0"/>
-              <a:t>Not</a:t>
+            <a:pPr marL="0" indent="0">
+              <a:buNone/>
+            </a:pPr>
+            <a:r>
+              <a:rPr lang="en-US" sz="1400" dirty="0" smtClean="0"/>
+              <a:t>	Not </a:t>
             </a:r>
             <a:r>
               <a:rPr lang="en-US" sz="1400" dirty="0"/>
-              <a:t> an implementation of the JAX-RS specification.</a:t>
+              <a:t>an implementation of the JAX-RS specification.</a:t>
             </a:r>
           </a:p>
           <a:p>
@@ -6468,7 +6525,12 @@
             <p:ph type="title"/>
           </p:nvPr>
         </p:nvSpPr>
-        <p:spPr/>
+        <p:spPr>
+          <a:xfrm>
+            <a:off x="1097280" y="286604"/>
+            <a:ext cx="10058400" cy="897428"/>
+          </a:xfrm>
+        </p:spPr>
         <p:txBody>
           <a:bodyPr/>
           <a:lstStyle/>
@@ -6514,8 +6576,8 @@
         </p:nvSpPr>
         <p:spPr>
           <a:xfrm>
-            <a:off x="1103312" y="1955409"/>
-            <a:ext cx="8946541" cy="4292990"/>
+            <a:off x="1103312" y="1828800"/>
+            <a:ext cx="8946541" cy="4419599"/>
           </a:xfrm>
         </p:spPr>
         <p:txBody>
@@ -6528,30 +6590,34 @@
               <a:buNone/>
             </a:pPr>
             <a:r>
-              <a:rPr lang="en-US" sz="1200" dirty="0" smtClean="0"/>
-              <a:t>	Objectives</a:t>
-            </a:r>
-            <a:endParaRPr lang="en-US" sz="1200" dirty="0"/>
+              <a:rPr lang="en-US" sz="1400" dirty="0" smtClean="0"/>
+              <a:t>	</a:t>
+            </a:r>
+            <a:r>
+              <a:rPr lang="en-US" sz="1400" dirty="0" smtClean="0"/>
+              <a:t>1. Objectives</a:t>
+            </a:r>
+            <a:endParaRPr lang="en-US" sz="1400" dirty="0"/>
           </a:p>
           <a:p>
             <a:pPr marL="0" indent="0" algn="just">
               <a:buNone/>
             </a:pPr>
             <a:r>
-              <a:rPr lang="en-US" sz="1200" dirty="0"/>
+              <a:rPr lang="en-US" sz="1400" dirty="0"/>
               <a:t>	</a:t>
             </a:r>
             <a:r>
-              <a:rPr lang="en-US" sz="1200" dirty="0" smtClean="0"/>
-              <a:t>Introduction </a:t>
-            </a:r>
-            <a:r>
-              <a:rPr lang="en-US" sz="1200" dirty="0"/>
+              <a:rPr lang="en-US" sz="1400" dirty="0" smtClean="0"/>
+              <a:t>2. Introduction </a:t>
+            </a:r>
+            <a:r>
+              <a:rPr lang="en-US" sz="1400" dirty="0"/>
               <a:t>to </a:t>
             </a:r>
             <a:r>
-              <a:rPr lang="en-US" sz="1200" dirty="0" smtClean="0"/>
-              <a:t>REST</a:t>
+              <a:rPr lang="en-US" sz="1400" dirty="0" smtClean="0"/>
+              <a:t>REST				4. Swagger</a:t>
             </a:r>
           </a:p>
           <a:p>
@@ -6559,274 +6625,222 @@
               <a:buNone/>
             </a:pPr>
             <a:r>
-              <a:rPr lang="en-US" sz="1200" dirty="0" smtClean="0"/>
-              <a:t>		</a:t>
-            </a:r>
-            <a:r>
-              <a:rPr lang="en-US" sz="1200" dirty="0" err="1" smtClean="0"/>
+              <a:rPr lang="en-US" sz="1400" dirty="0"/>
+              <a:t>	</a:t>
+            </a:r>
+            <a:r>
+              <a:rPr lang="en-US" sz="1400" dirty="0" smtClean="0"/>
+              <a:t>	</a:t>
+            </a:r>
+            <a:r>
+              <a:rPr lang="en-US" sz="1400" dirty="0" err="1" smtClean="0"/>
               <a:t>RESTful</a:t>
             </a:r>
             <a:r>
-              <a:rPr lang="en-US" sz="1200" dirty="0" smtClean="0"/>
-              <a:t> </a:t>
-            </a:r>
-            <a:r>
-              <a:rPr lang="en-US" sz="1200" dirty="0"/>
-              <a:t>Principles</a:t>
-            </a:r>
+              <a:rPr lang="en-US" sz="1400" dirty="0"/>
+              <a:t> Principles				Intro to Swagger</a:t>
+            </a:r>
+            <a:endParaRPr lang="en-US" sz="1400" dirty="0"/>
           </a:p>
           <a:p>
             <a:pPr marL="201168" lvl="1" indent="0" algn="just">
               <a:buNone/>
             </a:pPr>
             <a:r>
-              <a:rPr lang="en-US" sz="1200" dirty="0" smtClean="0"/>
-              <a:t>		HTTP Protocol</a:t>
-            </a:r>
-            <a:endParaRPr lang="en-US" sz="1200" dirty="0"/>
+              <a:rPr lang="en-US" sz="1400" dirty="0" smtClean="0"/>
+              <a:t>		HTTP </a:t>
+            </a:r>
+            <a:r>
+              <a:rPr lang="en-US" sz="1400" dirty="0"/>
+              <a:t>Protocol				Swagger-Core Annotations</a:t>
+            </a:r>
+            <a:endParaRPr lang="en-US" sz="1400" dirty="0"/>
           </a:p>
           <a:p>
             <a:pPr marL="201168" lvl="1" indent="0" algn="just">
               <a:buNone/>
             </a:pPr>
             <a:r>
-              <a:rPr lang="en-US" sz="1200" dirty="0" smtClean="0"/>
-              <a:t>		</a:t>
-            </a:r>
-            <a:r>
-              <a:rPr lang="en-US" sz="1200" dirty="0" smtClean="0"/>
-              <a:t>HTTP Request Message</a:t>
-            </a:r>
-            <a:endParaRPr lang="en-US" sz="1200" dirty="0"/>
+              <a:rPr lang="en-US" sz="1400" dirty="0" smtClean="0"/>
+              <a:t>		HTTP Request </a:t>
+            </a:r>
+            <a:r>
+              <a:rPr lang="en-US" sz="1400" dirty="0"/>
+              <a:t>Message				REST API Example Code</a:t>
+            </a:r>
+            <a:endParaRPr lang="en-US" sz="1400" dirty="0"/>
           </a:p>
           <a:p>
             <a:pPr marL="201168" lvl="1" indent="0" algn="just">
               <a:buNone/>
             </a:pPr>
             <a:r>
-              <a:rPr lang="en-US" sz="1200" dirty="0" smtClean="0"/>
-              <a:t>		</a:t>
-            </a:r>
-            <a:r>
-              <a:rPr lang="en-US" sz="1200" dirty="0" smtClean="0"/>
-              <a:t>HTTP Response </a:t>
-            </a:r>
-            <a:r>
-              <a:rPr lang="en-US" sz="1200" dirty="0" smtClean="0"/>
-              <a:t>Message</a:t>
-            </a:r>
-            <a:endParaRPr lang="en-US" sz="1200" dirty="0"/>
+              <a:rPr lang="en-US" sz="1400" dirty="0" smtClean="0"/>
+              <a:t>		HTTP Response </a:t>
+            </a:r>
+            <a:r>
+              <a:rPr lang="en-US" sz="1400" dirty="0"/>
+              <a:t>Message				REST API with Swagger</a:t>
+            </a:r>
+            <a:endParaRPr lang="en-US" sz="1400" dirty="0"/>
           </a:p>
           <a:p>
             <a:pPr marL="201168" lvl="1" indent="0" algn="just">
               <a:buNone/>
             </a:pPr>
             <a:r>
-              <a:rPr lang="en-US" sz="1200" dirty="0" smtClean="0"/>
+              <a:rPr lang="en-US" sz="1400" dirty="0" smtClean="0"/>
               <a:t>		HTTP-REST </a:t>
             </a:r>
             <a:r>
-              <a:rPr lang="en-US" sz="1200" dirty="0" smtClean="0"/>
-              <a:t>Vocabulary</a:t>
-            </a:r>
+              <a:rPr lang="en-US" sz="1400" dirty="0" smtClean="0"/>
+              <a:t>Vocabulary			5. Code On GIT</a:t>
+            </a:r>
+            <a:endParaRPr lang="en-US" sz="1400" dirty="0" smtClean="0"/>
           </a:p>
           <a:p>
             <a:pPr marL="201168" lvl="1" indent="0" algn="just">
               <a:buNone/>
             </a:pPr>
             <a:r>
-              <a:rPr lang="en-US" sz="1200" dirty="0"/>
+              <a:rPr lang="en-US" sz="1400" dirty="0"/>
               <a:t>		Securing Services</a:t>
             </a:r>
-            <a:endParaRPr lang="en-IN" sz="1200" dirty="0"/>
+            <a:endParaRPr lang="en-IN" sz="1400" dirty="0"/>
           </a:p>
           <a:p>
             <a:pPr marL="201168" lvl="1" indent="0" algn="just">
               <a:buNone/>
             </a:pPr>
             <a:r>
-              <a:rPr lang="en-US" sz="1200" dirty="0" smtClean="0"/>
+              <a:rPr lang="en-US" sz="1400" dirty="0" smtClean="0"/>
               <a:t>		HTTP </a:t>
             </a:r>
             <a:r>
-              <a:rPr lang="en-US" sz="1200" dirty="0"/>
+              <a:rPr lang="en-US" sz="1400" dirty="0"/>
               <a:t>Status Codes </a:t>
             </a:r>
-            <a:endParaRPr lang="en-IN" sz="1200" dirty="0"/>
+            <a:r>
+              <a:rPr lang="en-US" sz="1400" dirty="0" smtClean="0"/>
+              <a:t>			6. Conclusion</a:t>
+            </a:r>
+            <a:endParaRPr lang="en-IN" sz="1400" dirty="0"/>
           </a:p>
           <a:p>
             <a:pPr marL="201168" lvl="1" indent="0" algn="just">
               <a:buNone/>
             </a:pPr>
-            <a:endParaRPr lang="en-US" sz="1200" dirty="0" smtClean="0"/>
+            <a:r>
+              <a:rPr lang="en-US" sz="1400" dirty="0"/>
+              <a:t>	</a:t>
+            </a:r>
+            <a:r>
+              <a:rPr lang="en-US" sz="1400" dirty="0" smtClean="0"/>
+              <a:t>3. </a:t>
+            </a:r>
+            <a:r>
+              <a:rPr lang="en-US" sz="1400" dirty="0" smtClean="0"/>
+              <a:t>REST </a:t>
+            </a:r>
+            <a:r>
+              <a:rPr lang="en-US" sz="1400" dirty="0"/>
+              <a:t>on the Java Stack</a:t>
+            </a:r>
           </a:p>
           <a:p>
             <a:pPr marL="201168" lvl="1" indent="0" algn="just">
               <a:buNone/>
             </a:pPr>
             <a:r>
-              <a:rPr lang="en-US" sz="1200" dirty="0"/>
+              <a:rPr lang="en-US" sz="1400" dirty="0"/>
               <a:t>	</a:t>
             </a:r>
-            <a:endParaRPr lang="en-US" sz="1200" dirty="0" smtClean="0"/>
+            <a:r>
+              <a:rPr lang="en-US" sz="1400" dirty="0" smtClean="0"/>
+              <a:t>	CXF </a:t>
+            </a:r>
+            <a:r>
+              <a:rPr lang="en-US" sz="1400" dirty="0"/>
+              <a:t>Web Services Framework</a:t>
+            </a:r>
           </a:p>
           <a:p>
             <a:pPr marL="201168" lvl="1" indent="0" algn="just">
               <a:buNone/>
             </a:pPr>
             <a:r>
-              <a:rPr lang="en-US" sz="1200" dirty="0"/>
+              <a:rPr lang="en-US" sz="1400" dirty="0" smtClean="0"/>
               <a:t>	</a:t>
             </a:r>
             <a:r>
-              <a:rPr lang="en-US" sz="1200" dirty="0" smtClean="0"/>
-              <a:t>JAX-RS </a:t>
-            </a:r>
-            <a:r>
-              <a:rPr lang="en-US" sz="1200" dirty="0"/>
-              <a:t>vs Spring </a:t>
-            </a:r>
-            <a:r>
-              <a:rPr lang="en-US" sz="1200" dirty="0" smtClean="0"/>
+              <a:rPr lang="en-US" sz="1400" dirty="0"/>
+              <a:t>	REST Services with JAX-RS</a:t>
+            </a:r>
+          </a:p>
+          <a:p>
+            <a:pPr marL="201168" lvl="1" indent="0" algn="just">
+              <a:buNone/>
+            </a:pPr>
+            <a:r>
+              <a:rPr lang="en-US" sz="1400" dirty="0"/>
+              <a:t>	</a:t>
+            </a:r>
+            <a:r>
+              <a:rPr lang="en-US" sz="1400" dirty="0" smtClean="0"/>
+              <a:t>	JAX-RS </a:t>
+            </a:r>
+            <a:r>
+              <a:rPr lang="en-US" sz="1400" dirty="0"/>
+              <a:t>Annotations</a:t>
+            </a:r>
+          </a:p>
+          <a:p>
+            <a:pPr marL="201168" lvl="1" indent="0" algn="just">
+              <a:buNone/>
+            </a:pPr>
+            <a:r>
+              <a:rPr lang="en-US" sz="1400" dirty="0" smtClean="0"/>
+              <a:t>	</a:t>
+            </a:r>
+            <a:r>
+              <a:rPr lang="en-US" sz="1400" dirty="0"/>
+              <a:t>	REST Services with Spring MVC</a:t>
+            </a:r>
+          </a:p>
+          <a:p>
+            <a:pPr marL="201168" lvl="1" indent="0" algn="just">
+              <a:buNone/>
+            </a:pPr>
+            <a:r>
+              <a:rPr lang="en-US" sz="1400" dirty="0"/>
+              <a:t>	</a:t>
+            </a:r>
+            <a:r>
+              <a:rPr lang="en-US" sz="1400" dirty="0" smtClean="0"/>
+              <a:t>	JAX-RS </a:t>
+            </a:r>
+            <a:r>
+              <a:rPr lang="en-US" sz="1400" dirty="0"/>
+              <a:t>or Spring MVC?</a:t>
+            </a:r>
+          </a:p>
+          <a:p>
+            <a:pPr marL="201168" lvl="1" indent="0" algn="just">
+              <a:buNone/>
+            </a:pPr>
+            <a:r>
+              <a:rPr lang="en-US" sz="1400" dirty="0" smtClean="0"/>
+              <a:t>	</a:t>
+            </a:r>
+            <a:r>
+              <a:rPr lang="en-US" sz="1400" dirty="0"/>
+              <a:t>	JAX-RS VS Spring </a:t>
+            </a:r>
+            <a:r>
+              <a:rPr lang="en-US" sz="1400" dirty="0" smtClean="0"/>
               <a:t>MVC</a:t>
             </a:r>
-          </a:p>
-          <a:p>
-            <a:pPr marL="201168" lvl="1" indent="0" algn="just">
-              <a:buNone/>
-            </a:pPr>
-            <a:r>
-              <a:rPr lang="en-US" sz="1200" dirty="0"/>
-              <a:t>	</a:t>
-            </a:r>
-            <a:r>
-              <a:rPr lang="en-US" sz="1200" dirty="0" smtClean="0"/>
-              <a:t>	REST </a:t>
-            </a:r>
-            <a:r>
-              <a:rPr lang="en-US" sz="1200" dirty="0"/>
-              <a:t>Services with </a:t>
-            </a:r>
-            <a:r>
-              <a:rPr lang="en-US" sz="1200" dirty="0" smtClean="0"/>
-              <a:t>JAX-RS</a:t>
-            </a:r>
-          </a:p>
-          <a:p>
-            <a:pPr marL="201168" lvl="1" indent="0" algn="just">
-              <a:buNone/>
-            </a:pPr>
-            <a:r>
-              <a:rPr lang="en-US" sz="1200" dirty="0" smtClean="0"/>
-              <a:t>		REST </a:t>
-            </a:r>
-            <a:r>
-              <a:rPr lang="en-US" sz="1200" dirty="0"/>
-              <a:t>Services with Spring </a:t>
-            </a:r>
-            <a:r>
-              <a:rPr lang="en-US" sz="1200" dirty="0" smtClean="0"/>
-              <a:t>MVC</a:t>
-            </a:r>
-          </a:p>
-          <a:p>
-            <a:pPr marL="201168" lvl="1" indent="0" algn="just">
-              <a:buNone/>
-            </a:pPr>
-            <a:r>
-              <a:rPr lang="en-US" sz="1200" dirty="0"/>
-              <a:t>	</a:t>
-            </a:r>
-            <a:r>
-              <a:rPr lang="en-US" sz="1200" dirty="0" smtClean="0"/>
-              <a:t>Swagger </a:t>
-            </a:r>
-          </a:p>
-          <a:p>
-            <a:pPr marL="201168" lvl="1" indent="0" algn="just">
-              <a:buNone/>
-            </a:pPr>
-            <a:r>
-              <a:rPr lang="en-US" sz="1200" dirty="0"/>
-              <a:t>	</a:t>
-            </a:r>
-            <a:r>
-              <a:rPr lang="en-US" sz="1200" dirty="0" smtClean="0"/>
-              <a:t>	Swagger UI - </a:t>
-            </a:r>
-            <a:r>
-              <a:rPr lang="en-US" sz="1200" dirty="0"/>
-              <a:t>Frontend for REST </a:t>
-            </a:r>
-            <a:r>
-              <a:rPr lang="en-US" sz="1200" dirty="0" smtClean="0"/>
-              <a:t>Service</a:t>
-            </a:r>
-          </a:p>
-          <a:p>
-            <a:pPr marL="201168" lvl="1" indent="0" algn="just">
-              <a:buNone/>
-            </a:pPr>
-            <a:r>
-              <a:rPr lang="en-US" sz="1200" dirty="0" smtClean="0"/>
-              <a:t>		JAX-RS </a:t>
-            </a:r>
-            <a:r>
-              <a:rPr lang="en-US" sz="1200" dirty="0"/>
-              <a:t>with Swagger </a:t>
-            </a:r>
-            <a:r>
-              <a:rPr lang="en-US" sz="1200" dirty="0" smtClean="0"/>
-              <a:t>Annotations</a:t>
-            </a:r>
-          </a:p>
-          <a:p>
-            <a:pPr marL="201168" lvl="1" indent="0" algn="just">
-              <a:buNone/>
-            </a:pPr>
-            <a:r>
-              <a:rPr lang="en-US" sz="1200" dirty="0"/>
-              <a:t>	</a:t>
-            </a:r>
-            <a:r>
-              <a:rPr lang="en-US" sz="1200" dirty="0" smtClean="0"/>
-              <a:t>Code </a:t>
-            </a:r>
-            <a:r>
-              <a:rPr lang="en-US" sz="1200" dirty="0"/>
-              <a:t>on </a:t>
-            </a:r>
-            <a:r>
-              <a:rPr lang="en-US" sz="1200" dirty="0" smtClean="0"/>
-              <a:t>GIT</a:t>
-            </a:r>
-          </a:p>
-          <a:p>
-            <a:pPr marL="201168" lvl="1" indent="0" algn="just">
-              <a:buNone/>
-            </a:pPr>
-            <a:r>
-              <a:rPr lang="en-US" sz="1200" dirty="0"/>
-              <a:t>	</a:t>
-            </a:r>
-            <a:r>
-              <a:rPr lang="en-US" sz="1200" dirty="0" smtClean="0"/>
-              <a:t>Conclusion</a:t>
-            </a:r>
-          </a:p>
-          <a:p>
-            <a:pPr marL="201168" lvl="1" indent="0" algn="just">
-              <a:buNone/>
-            </a:pPr>
-            <a:r>
-              <a:rPr lang="en-US" sz="1200" dirty="0"/>
-              <a:t>	</a:t>
-            </a:r>
-            <a:r>
-              <a:rPr lang="en-US" sz="1200" dirty="0" smtClean="0"/>
-              <a:t>Q&amp;A</a:t>
-            </a:r>
-            <a:endParaRPr lang="en-US" sz="1200" b="1" dirty="0"/>
+            <a:endParaRPr lang="en-US" sz="1400" dirty="0"/>
           </a:p>
         </p:txBody>
       </p:sp>
@@ -7701,7 +7715,6 @@
               <a:rPr lang="en-US" sz="1400" dirty="0"/>
               <a:t>Include Maven dependency to you project:</a:t>
             </a:r>
-            <a:endParaRPr lang="en-US" sz="1400" dirty="0"/>
           </a:p>
         </p:txBody>
       </p:sp>
@@ -7828,7 +7841,7 @@
               <a:defRPr/>
             </a:pPr>
             <a:r>
-              <a:rPr lang="en-US" sz="4400" dirty="0"/>
+              <a:rPr lang="en-US" sz="4400" dirty="0" smtClean="0"/>
               <a:t>Swagger-Core Annotations</a:t>
             </a:r>
             <a:endParaRPr lang="en-US" sz="4400" b="1" dirty="0">
@@ -8180,8 +8193,8 @@
               <a:defRPr/>
             </a:pPr>
             <a:r>
-              <a:rPr lang="en-US" sz="4400" dirty="0" smtClean="0"/>
-              <a:t>REST API Example</a:t>
+              <a:rPr lang="en-US" sz="4400" dirty="0"/>
+              <a:t>REST API Example Code</a:t>
             </a:r>
             <a:endParaRPr lang="en-US" sz="4400" b="1" dirty="0">
               <a:solidFill>
@@ -8326,8 +8339,8 @@
               <a:defRPr/>
             </a:pPr>
             <a:r>
-              <a:rPr lang="en-US" sz="4400" dirty="0" smtClean="0"/>
-              <a:t>REST API Example</a:t>
+              <a:rPr lang="en-US" sz="4400" dirty="0"/>
+              <a:t>REST API Example Code</a:t>
             </a:r>
             <a:endParaRPr lang="en-US" sz="4400" b="1" dirty="0">
               <a:solidFill>
@@ -8473,7 +8486,11 @@
             </a:pPr>
             <a:r>
               <a:rPr lang="en-US" sz="4400" dirty="0" smtClean="0"/>
-              <a:t>REST API Example</a:t>
+              <a:t>REST API </a:t>
+            </a:r>
+            <a:r>
+              <a:rPr lang="en-US" sz="4400" dirty="0" smtClean="0"/>
+              <a:t>Example Code</a:t>
             </a:r>
             <a:endParaRPr lang="en-US" sz="4400" b="1" dirty="0">
               <a:solidFill>
@@ -8619,7 +8636,15 @@
             </a:pPr>
             <a:r>
               <a:rPr lang="en-US" sz="4400" dirty="0" smtClean="0"/>
-              <a:t>REST API  Swagger</a:t>
+              <a:t>REST API </a:t>
+            </a:r>
+            <a:r>
+              <a:rPr lang="en-US" sz="4400" dirty="0" smtClean="0"/>
+              <a:t>with </a:t>
+            </a:r>
+            <a:r>
+              <a:rPr lang="en-US" sz="4400" dirty="0" smtClean="0"/>
+              <a:t>Swagger</a:t>
             </a:r>
             <a:endParaRPr lang="en-US" sz="4400" b="1" dirty="0">
               <a:solidFill>
@@ -9071,105 +9096,152 @@
         </p:spPr>
         <p:txBody>
           <a:bodyPr>
-            <a:normAutofit lnSpcReduction="10000"/>
+            <a:normAutofit/>
           </a:bodyPr>
           <a:lstStyle/>
           <a:p>
             <a:pPr marL="0" indent="0">
               <a:buNone/>
             </a:pPr>
-            <a:endParaRPr lang="en-IN" dirty="0" smtClean="0"/>
+            <a:endParaRPr lang="en-IN" sz="1600" dirty="0" smtClean="0"/>
           </a:p>
           <a:p>
             <a:pPr marL="0" indent="0">
               <a:buNone/>
             </a:pPr>
             <a:r>
-              <a:rPr lang="en-IN" dirty="0" smtClean="0"/>
+              <a:rPr lang="en-IN" sz="1600" dirty="0" smtClean="0"/>
               <a:t>At </a:t>
             </a:r>
             <a:r>
-              <a:rPr lang="en-IN" dirty="0"/>
+              <a:rPr lang="en-IN" sz="1600" dirty="0"/>
               <a:t>the end of this presentation, the participant will be able to </a:t>
             </a:r>
             <a:r>
-              <a:rPr lang="en-IN" dirty="0" smtClean="0"/>
+              <a:rPr lang="en-IN" sz="1600" dirty="0" smtClean="0"/>
               <a:t>:</a:t>
             </a:r>
-            <a:endParaRPr lang="en-IN" dirty="0"/>
-          </a:p>
-          <a:p>
-            <a:r>
-              <a:rPr lang="en-IN" dirty="0" smtClean="0"/>
-              <a:t>Understand the </a:t>
-            </a:r>
-            <a:r>
-              <a:rPr lang="en-IN" dirty="0"/>
+            <a:endParaRPr lang="en-IN" sz="1600" dirty="0"/>
+          </a:p>
+          <a:p>
+            <a:pPr marL="0" indent="0">
+              <a:buNone/>
+            </a:pPr>
+            <a:r>
+              <a:rPr lang="en-IN" sz="1600" dirty="0" smtClean="0"/>
+              <a:t>	Understand </a:t>
+            </a:r>
+            <a:r>
+              <a:rPr lang="en-IN" sz="1600" dirty="0" smtClean="0"/>
+              <a:t>the </a:t>
+            </a:r>
+            <a:r>
+              <a:rPr lang="en-IN" sz="1600" dirty="0"/>
               <a:t>basics of </a:t>
             </a:r>
             <a:r>
-              <a:rPr lang="en-IN" dirty="0" smtClean="0"/>
+              <a:rPr lang="en-IN" sz="1600" dirty="0" smtClean="0"/>
               <a:t>REST</a:t>
             </a:r>
           </a:p>
           <a:p>
-            <a:r>
-              <a:rPr lang="en-IN" dirty="0" smtClean="0"/>
-              <a:t>Understand the </a:t>
-            </a:r>
-            <a:r>
-              <a:rPr lang="en-IN" dirty="0"/>
+            <a:pPr marL="0" indent="0">
+              <a:buNone/>
+            </a:pPr>
+            <a:r>
+              <a:rPr lang="en-IN" sz="1600" dirty="0" smtClean="0"/>
+              <a:t>	Understand </a:t>
+            </a:r>
+            <a:r>
+              <a:rPr lang="en-IN" sz="1600" dirty="0" smtClean="0"/>
+              <a:t>the </a:t>
+            </a:r>
+            <a:r>
+              <a:rPr lang="en-IN" sz="1600" dirty="0"/>
               <a:t>basics of the HTTP protocol</a:t>
             </a:r>
           </a:p>
           <a:p>
-            <a:r>
-              <a:rPr lang="en-IN" dirty="0" smtClean="0"/>
-              <a:t>Understand a </a:t>
-            </a:r>
-            <a:r>
-              <a:rPr lang="en-IN" dirty="0"/>
-              <a:t>REST API implementation</a:t>
-            </a:r>
-          </a:p>
-          <a:p>
-            <a:r>
-              <a:rPr lang="en-IN" dirty="0" smtClean="0"/>
-              <a:t>Understand how </a:t>
-            </a:r>
-            <a:r>
-              <a:rPr lang="en-IN" dirty="0"/>
+            <a:pPr marL="0" indent="0">
+              <a:buNone/>
+            </a:pPr>
+            <a:r>
+              <a:rPr lang="en-IN" sz="1600" dirty="0" smtClean="0"/>
+              <a:t>	Understand </a:t>
+            </a:r>
+            <a:r>
+              <a:rPr lang="en-IN" sz="1600" dirty="0" smtClean="0"/>
+              <a:t>a </a:t>
+            </a:r>
+            <a:r>
+              <a:rPr lang="en-IN" sz="1600" dirty="0"/>
+              <a:t>REST API </a:t>
+            </a:r>
+            <a:r>
+              <a:rPr lang="en-IN" sz="1600" dirty="0" smtClean="0"/>
+              <a:t>implementation with Apache CXF</a:t>
+            </a:r>
+            <a:endParaRPr lang="en-IN" sz="1600" dirty="0"/>
+          </a:p>
+          <a:p>
+            <a:pPr marL="0" indent="0">
+              <a:buNone/>
+            </a:pPr>
+            <a:r>
+              <a:rPr lang="en-IN" sz="1600" dirty="0" smtClean="0"/>
+              <a:t>	Understand </a:t>
+            </a:r>
+            <a:r>
+              <a:rPr lang="en-IN" sz="1600" dirty="0" smtClean="0"/>
+              <a:t>how </a:t>
+            </a:r>
+            <a:r>
+              <a:rPr lang="en-IN" sz="1600" dirty="0"/>
               <a:t>the JAX-RS APIs and annotations can be used to develop REST web services.</a:t>
             </a:r>
           </a:p>
           <a:p>
-            <a:r>
-              <a:rPr lang="en-IN" dirty="0" smtClean="0"/>
-              <a:t>Understand how </a:t>
-            </a:r>
-            <a:r>
-              <a:rPr lang="en-IN" dirty="0"/>
+            <a:pPr marL="0" indent="0">
+              <a:buNone/>
+            </a:pPr>
+            <a:r>
+              <a:rPr lang="en-IN" sz="1600" dirty="0" smtClean="0"/>
+              <a:t>	Understand </a:t>
+            </a:r>
+            <a:r>
+              <a:rPr lang="en-IN" sz="1600" dirty="0" smtClean="0"/>
+              <a:t>how </a:t>
+            </a:r>
+            <a:r>
+              <a:rPr lang="en-IN" sz="1600" dirty="0"/>
               <a:t>JAX-RS differs and compares to Spring MVC</a:t>
             </a:r>
           </a:p>
           <a:p>
-            <a:r>
-              <a:rPr lang="en-IN" dirty="0" smtClean="0"/>
-              <a:t>Understand a </a:t>
-            </a:r>
-            <a:r>
-              <a:rPr lang="en-IN" dirty="0" err="1"/>
+            <a:pPr marL="0" indent="0">
+              <a:buNone/>
+            </a:pPr>
+            <a:r>
+              <a:rPr lang="en-IN" sz="1600" dirty="0" smtClean="0"/>
+              <a:t>	Understand </a:t>
+            </a:r>
+            <a:r>
+              <a:rPr lang="en-IN" sz="1600" dirty="0" smtClean="0"/>
+              <a:t>a </a:t>
+            </a:r>
+            <a:r>
+              <a:rPr lang="en-IN" sz="1600" dirty="0" err="1"/>
               <a:t>RESTful</a:t>
             </a:r>
             <a:r>
-              <a:rPr lang="en-IN" dirty="0"/>
+              <a:rPr lang="en-IN" sz="1600" dirty="0"/>
               <a:t> Service using </a:t>
             </a:r>
             <a:r>
-              <a:rPr lang="en-IN" dirty="0" smtClean="0"/>
+              <a:rPr lang="en-IN" sz="1600" dirty="0" smtClean="0"/>
               <a:t>Swagger UI</a:t>
             </a:r>
-            <a:endParaRPr lang="en-US" sz="1800" dirty="0"/>
+            <a:endParaRPr lang="en-US" sz="1600" dirty="0"/>
           </a:p>
         </p:txBody>
       </p:sp>
@@ -9281,8 +9353,8 @@
               <a:buNone/>
             </a:pPr>
             <a:r>
-              <a:rPr lang="en-US" sz="1600" dirty="0"/>
-              <a:t>JAX-RS is a flexible API for providing scalable web services.</a:t>
+              <a:rPr lang="en-US" sz="1400" dirty="0" smtClean="0"/>
+              <a:t>	</a:t>
             </a:r>
           </a:p>
           <a:p>
@@ -9290,18 +9362,93 @@
               <a:buNone/>
             </a:pPr>
             <a:r>
-              <a:rPr lang="en-US" sz="1600" dirty="0" smtClean="0"/>
-              <a:t>Swagger UI, </a:t>
-            </a:r>
-            <a:r>
-              <a:rPr lang="en-US" sz="1600" dirty="0"/>
+              <a:rPr lang="en-US" sz="1400" dirty="0"/>
+              <a:t>	</a:t>
+            </a:r>
+            <a:r>
+              <a:rPr lang="en-US" sz="1400" dirty="0" smtClean="0"/>
+              <a:t>JAX-RS </a:t>
+            </a:r>
+            <a:r>
+              <a:rPr lang="en-US" sz="1400" dirty="0"/>
+              <a:t>is a flexible API for providing scalable web services.</a:t>
+            </a:r>
+          </a:p>
+          <a:p>
+            <a:pPr marL="0" indent="0">
+              <a:buNone/>
+            </a:pPr>
+            <a:r>
+              <a:rPr lang="en-US" sz="1400" dirty="0" smtClean="0"/>
+              <a:t>	Swagger </a:t>
+            </a:r>
+            <a:r>
+              <a:rPr lang="en-US" sz="1400" dirty="0" smtClean="0"/>
+              <a:t>UI, </a:t>
+            </a:r>
+            <a:r>
+              <a:rPr lang="en-US" sz="1400" dirty="0"/>
               <a:t>Spring and the Java Stack integrate to make developing and configuring REST services easy</a:t>
             </a:r>
             <a:r>
-              <a:rPr lang="en-US" sz="1600" dirty="0" smtClean="0"/>
+              <a:rPr lang="en-US" sz="1400" dirty="0" smtClean="0"/>
               <a:t>.</a:t>
             </a:r>
-            <a:endParaRPr lang="en-US" sz="1600" dirty="0"/>
+          </a:p>
+          <a:p>
+            <a:pPr marL="0" indent="0">
+              <a:buNone/>
+            </a:pPr>
+            <a:endParaRPr lang="en-US" sz="1400" dirty="0"/>
+          </a:p>
+          <a:p>
+            <a:pPr marL="0" indent="0">
+              <a:buNone/>
+            </a:pPr>
+            <a:r>
+              <a:rPr lang="en-US" sz="1400" dirty="0" smtClean="0"/>
+              <a:t>	Code on GIT:</a:t>
+            </a:r>
+          </a:p>
+          <a:p>
+            <a:pPr marL="0" indent="0">
+              <a:buNone/>
+            </a:pPr>
+            <a:r>
+              <a:rPr lang="en-US" sz="1400" dirty="0" smtClean="0"/>
+              <a:t>		</a:t>
+            </a:r>
+            <a:r>
+              <a:rPr lang="en-US" sz="1400" dirty="0" smtClean="0">
+                <a:hlinkClick r:id="rId2"/>
+              </a:rPr>
+              <a:t>https</a:t>
+            </a:r>
+            <a:r>
+              <a:rPr lang="en-US" sz="1400" dirty="0">
+                <a:hlinkClick r:id="rId2"/>
+              </a:rPr>
+              <a:t>://</a:t>
+            </a:r>
+            <a:r>
+              <a:rPr lang="en-US" sz="1400" dirty="0" smtClean="0">
+                <a:hlinkClick r:id="rId2"/>
+              </a:rPr>
+              <a:t>github.com/mcabala/mydoc</a:t>
+            </a:r>
+            <a:endParaRPr lang="en-US" sz="1400" dirty="0" smtClean="0"/>
+          </a:p>
+          <a:p>
+            <a:pPr marL="0" indent="0">
+              <a:buNone/>
+            </a:pPr>
+            <a:endParaRPr lang="en-US" sz="1400" dirty="0" smtClean="0"/>
+          </a:p>
+          <a:p>
+            <a:pPr marL="0" indent="0">
+              <a:buNone/>
+            </a:pPr>
+            <a:endParaRPr lang="en-US" sz="1400" dirty="0"/>
           </a:p>
         </p:txBody>
       </p:sp>
@@ -9364,8 +9511,8 @@
               <a:defRPr/>
             </a:pPr>
             <a:r>
-              <a:rPr lang="en-US" sz="4400" dirty="0"/>
-              <a:t>Credit</a:t>
+              <a:rPr lang="en-US" sz="4400" dirty="0" smtClean="0"/>
+              <a:t>Links</a:t>
             </a:r>
             <a:endParaRPr lang="en-US" sz="4400" b="1" dirty="0">
               <a:solidFill>
@@ -9409,42 +9556,141 @@
           </a:bodyPr>
           <a:lstStyle/>
           <a:p>
-            <a:pPr marL="0" indent="0">
-              <a:buNone/>
-            </a:pPr>
-            <a:r>
-              <a:rPr lang="en-US" b="1" dirty="0"/>
-              <a:t>Resources used to prepare this training:</a:t>
-            </a:r>
-            <a:endParaRPr lang="en-US" b="1" dirty="0">
-              <a:hlinkClick r:id="rId2"/>
-            </a:endParaRPr>
-          </a:p>
-          <a:p>
-            <a:r>
-              <a:rPr lang="en-US" dirty="0">
+            <a:endParaRPr lang="en-IN" sz="1600" b="1" dirty="0" smtClean="0"/>
+          </a:p>
+          <a:p>
+            <a:pPr marL="201168" lvl="1" indent="0">
+              <a:buNone/>
+            </a:pPr>
+            <a:r>
+              <a:rPr lang="en-IN" sz="1400" b="1" dirty="0"/>
+              <a:t>	</a:t>
+            </a:r>
+            <a:r>
+              <a:rPr lang="en-IN" sz="1400" b="1" dirty="0" smtClean="0"/>
+              <a:t>Apache </a:t>
+            </a:r>
+            <a:r>
+              <a:rPr lang="en-IN" sz="1400" b="1" dirty="0"/>
+              <a:t>CXF :</a:t>
+            </a:r>
+          </a:p>
+          <a:p>
+            <a:pPr marL="201168" lvl="1" indent="0">
+              <a:buNone/>
+            </a:pPr>
+            <a:r>
+              <a:rPr lang="en-IN" sz="1600" dirty="0"/>
+              <a:t>	</a:t>
+            </a:r>
+            <a:r>
+              <a:rPr lang="en-IN" sz="1600" dirty="0" smtClean="0"/>
+              <a:t>	</a:t>
+            </a:r>
+            <a:r>
+              <a:rPr lang="en-IN" sz="1600" dirty="0" smtClean="0">
                 <a:hlinkClick r:id="rId2"/>
               </a:rPr>
-              <a:t>http://cxf.apache.org</a:t>
-            </a:r>
-            <a:endParaRPr lang="en-US" dirty="0"/>
-          </a:p>
-          <a:p>
-            <a:r>
-              <a:rPr lang="en-US" dirty="0">
+              <a:t>http</a:t>
+            </a:r>
+            <a:r>
+              <a:rPr lang="en-IN" sz="1600" dirty="0">
+                <a:hlinkClick r:id="rId2"/>
+              </a:rPr>
+              <a:t>://</a:t>
+            </a:r>
+            <a:r>
+              <a:rPr lang="en-IN" sz="1600" dirty="0" smtClean="0">
+                <a:hlinkClick r:id="rId2"/>
+              </a:rPr>
+              <a:t>cxf.apache.org/</a:t>
+            </a:r>
+            <a:endParaRPr lang="en-IN" sz="1600" dirty="0" smtClean="0"/>
+          </a:p>
+          <a:p>
+            <a:pPr marL="201168" lvl="1" indent="0">
+              <a:buNone/>
+            </a:pPr>
+            <a:r>
+              <a:rPr lang="en-IN" sz="1600" dirty="0"/>
+              <a:t>	</a:t>
+            </a:r>
+            <a:r>
+              <a:rPr lang="en-IN" sz="1600" dirty="0" smtClean="0"/>
+              <a:t>	</a:t>
+            </a:r>
+            <a:r>
+              <a:rPr lang="en-IN" sz="1600" dirty="0" smtClean="0">
                 <a:hlinkClick r:id="rId3"/>
               </a:rPr>
-              <a:t>http://</a:t>
-            </a:r>
-            <a:r>
-              <a:rPr lang="en-US" dirty="0" smtClean="0">
+              <a:t>http</a:t>
+            </a:r>
+            <a:r>
+              <a:rPr lang="en-IN" sz="1600" dirty="0">
                 <a:hlinkClick r:id="rId3"/>
               </a:rPr>
-              <a:t>en.wikipedia.org/wiki/Representational_state_transfer</a:t>
-            </a:r>
-            <a:endParaRPr lang="en-US" dirty="0">
-              <a:hlinkClick r:id="rId4"/>
-            </a:endParaRPr>
+              <a:t>://</a:t>
+            </a:r>
+            <a:r>
+              <a:rPr lang="en-IN" sz="1600" dirty="0" smtClean="0">
+                <a:hlinkClick r:id="rId3"/>
+              </a:rPr>
+              <a:t>cxf.apache.org/docs/jax-rs.html</a:t>
+            </a:r>
+            <a:endParaRPr lang="en-IN" sz="1600" dirty="0" smtClean="0"/>
+          </a:p>
+          <a:p>
+            <a:pPr marL="201168" lvl="1" indent="0">
+              <a:buNone/>
+            </a:pPr>
+            <a:endParaRPr lang="en-IN" sz="1600" dirty="0"/>
+          </a:p>
+          <a:p>
+            <a:pPr marL="201168" lvl="1" indent="0">
+              <a:buNone/>
+            </a:pPr>
+            <a:r>
+              <a:rPr lang="en-IN" sz="1400" b="1" dirty="0" smtClean="0"/>
+              <a:t>	Swagger </a:t>
+            </a:r>
+            <a:r>
+              <a:rPr lang="en-IN" sz="1400" b="1" dirty="0"/>
+              <a:t>:</a:t>
+            </a:r>
+          </a:p>
+          <a:p>
+            <a:pPr marL="201168" lvl="1" indent="0">
+              <a:buNone/>
+            </a:pPr>
+            <a:r>
+              <a:rPr lang="en-IN" sz="1600" dirty="0" smtClean="0"/>
+              <a:t>		</a:t>
+            </a:r>
+            <a:r>
+              <a:rPr lang="en-IN" sz="1600" dirty="0" smtClean="0">
+                <a:hlinkClick r:id="rId4"/>
+              </a:rPr>
+              <a:t>http</a:t>
+            </a:r>
+            <a:r>
+              <a:rPr lang="en-IN" sz="1600" dirty="0">
+                <a:hlinkClick r:id="rId4"/>
+              </a:rPr>
+              <a:t>://swagger.io</a:t>
+            </a:r>
+            <a:r>
+              <a:rPr lang="en-IN" sz="1600" dirty="0" smtClean="0">
+                <a:hlinkClick r:id="rId4"/>
+              </a:rPr>
+              <a:t>/</a:t>
+            </a:r>
+            <a:endParaRPr lang="en-IN" sz="1600" dirty="0" smtClean="0"/>
+          </a:p>
+          <a:p>
+            <a:pPr marL="201168" lvl="1" indent="0">
+              <a:buNone/>
+            </a:pPr>
+            <a:endParaRPr lang="en-IN" sz="1600" dirty="0"/>
           </a:p>
         </p:txBody>
       </p:sp>
@@ -9556,25 +9802,25 @@
               <a:buNone/>
             </a:pPr>
             <a:r>
-              <a:rPr lang="en-IN" sz="1200" dirty="0" smtClean="0"/>
+              <a:rPr lang="en-IN" sz="1600" dirty="0" smtClean="0"/>
               <a:t>The </a:t>
             </a:r>
             <a:r>
-              <a:rPr lang="en-IN" sz="1200" dirty="0"/>
+              <a:rPr lang="en-IN" sz="1600" dirty="0"/>
               <a:t>REST stands for Representational State Transfer. </a:t>
             </a:r>
-            <a:endParaRPr lang="en-IN" sz="1200" dirty="0" smtClean="0"/>
+            <a:endParaRPr lang="en-IN" sz="1600" dirty="0" smtClean="0"/>
           </a:p>
           <a:p>
             <a:pPr marL="0" indent="0">
               <a:buNone/>
             </a:pPr>
             <a:r>
-              <a:rPr lang="en-IN" sz="1200" dirty="0"/>
+              <a:rPr lang="en-IN" sz="1600" dirty="0"/>
               <a:t>	</a:t>
             </a:r>
             <a:r>
-              <a:rPr lang="en-IN" sz="1200" b="1" dirty="0"/>
+              <a:rPr lang="en-IN" sz="1600" b="1" dirty="0"/>
               <a:t>Representational</a:t>
             </a:r>
           </a:p>
@@ -9583,39 +9829,39 @@
               <a:buNone/>
             </a:pPr>
             <a:r>
-              <a:rPr lang="en-IN" sz="1200" dirty="0"/>
+              <a:rPr lang="en-IN" sz="1600" dirty="0"/>
               <a:t>		</a:t>
             </a:r>
             <a:r>
-              <a:rPr lang="en-IN" sz="1200" dirty="0" smtClean="0"/>
+              <a:rPr lang="en-IN" sz="1600" dirty="0" smtClean="0"/>
               <a:t>- </a:t>
             </a:r>
             <a:r>
-              <a:rPr lang="en-IN" sz="1200" dirty="0"/>
+              <a:rPr lang="en-IN" sz="1600" dirty="0"/>
               <a:t>Representational means formats (such as xml, </a:t>
             </a:r>
             <a:r>
-              <a:rPr lang="en-IN" sz="1200" dirty="0" err="1"/>
+              <a:rPr lang="en-IN" sz="1600" dirty="0" err="1"/>
               <a:t>json</a:t>
             </a:r>
             <a:r>
-              <a:rPr lang="en-IN" sz="1200" dirty="0"/>
+              <a:rPr lang="en-IN" sz="1600" dirty="0"/>
               <a:t>, </a:t>
             </a:r>
             <a:r>
-              <a:rPr lang="en-IN" sz="1200" dirty="0" err="1"/>
+              <a:rPr lang="en-IN" sz="1600" dirty="0" err="1"/>
               <a:t>yaml</a:t>
             </a:r>
             <a:r>
-              <a:rPr lang="en-IN" sz="1200" dirty="0"/>
+              <a:rPr lang="en-IN" sz="1600" dirty="0"/>
               <a:t>, html, </a:t>
             </a:r>
             <a:r>
-              <a:rPr lang="en-IN" sz="1200" dirty="0" err="1"/>
+              <a:rPr lang="en-IN" sz="1600" dirty="0" err="1"/>
               <a:t>etc</a:t>
             </a:r>
             <a:r>
-              <a:rPr lang="en-IN" sz="1200" dirty="0"/>
+              <a:rPr lang="en-IN" sz="1600" dirty="0"/>
               <a:t>)</a:t>
             </a:r>
           </a:p>
@@ -9624,7 +9870,7 @@
               <a:buNone/>
             </a:pPr>
             <a:r>
-              <a:rPr lang="en-IN" sz="1200" dirty="0" smtClean="0"/>
+              <a:rPr lang="en-IN" sz="1600" dirty="0" smtClean="0"/>
               <a:t>		- Clients possess the information necessary to identify, modify, and/or delete a web resource.</a:t>
             </a:r>
           </a:p>
@@ -9633,11 +9879,11 @@
               <a:buNone/>
             </a:pPr>
             <a:r>
-              <a:rPr lang="en-IN" sz="1200" dirty="0"/>
+              <a:rPr lang="en-IN" sz="1600" dirty="0"/>
               <a:t>	</a:t>
             </a:r>
             <a:r>
-              <a:rPr lang="en-IN" sz="1200" b="1" dirty="0"/>
+              <a:rPr lang="en-IN" sz="1600" b="1" dirty="0"/>
               <a:t>State</a:t>
             </a:r>
           </a:p>
@@ -9646,7 +9892,7 @@
               <a:buNone/>
             </a:pPr>
             <a:r>
-              <a:rPr lang="en-IN" sz="1200" dirty="0"/>
+              <a:rPr lang="en-IN" sz="1600" dirty="0"/>
               <a:t>		- State means data</a:t>
             </a:r>
           </a:p>
@@ -9655,15 +9901,15 @@
               <a:buNone/>
             </a:pPr>
             <a:r>
-              <a:rPr lang="en-IN" sz="1200" dirty="0"/>
+              <a:rPr lang="en-IN" sz="1600" dirty="0"/>
               <a:t>		</a:t>
             </a:r>
             <a:r>
-              <a:rPr lang="en-IN" sz="1200" dirty="0" smtClean="0"/>
+              <a:rPr lang="en-IN" sz="1600" dirty="0" smtClean="0"/>
               <a:t>- </a:t>
             </a:r>
             <a:r>
-              <a:rPr lang="en-IN" sz="1200" dirty="0"/>
+              <a:rPr lang="en-IN" sz="1600" dirty="0"/>
               <a:t>All resource state information is stored on the client.</a:t>
             </a:r>
           </a:p>
@@ -9672,11 +9918,11 @@
               <a:buNone/>
             </a:pPr>
             <a:r>
-              <a:rPr lang="en-IN" sz="1200" dirty="0"/>
+              <a:rPr lang="en-IN" sz="1600" dirty="0"/>
               <a:t>	</a:t>
             </a:r>
             <a:r>
-              <a:rPr lang="en-IN" sz="1200" b="1" dirty="0"/>
+              <a:rPr lang="en-IN" sz="1600" b="1" dirty="0"/>
               <a:t>Transfers</a:t>
             </a:r>
           </a:p>
@@ -9685,15 +9931,15 @@
               <a:buNone/>
             </a:pPr>
             <a:r>
-              <a:rPr lang="en-IN" sz="1200" dirty="0"/>
+              <a:rPr lang="en-IN" sz="1600" dirty="0"/>
               <a:t>		- </a:t>
             </a:r>
             <a:r>
-              <a:rPr lang="en-IN" sz="1200" dirty="0" smtClean="0"/>
+              <a:rPr lang="en-IN" sz="1600" dirty="0" smtClean="0"/>
               <a:t>Transfer </a:t>
             </a:r>
             <a:r>
-              <a:rPr lang="en-IN" sz="1200" dirty="0"/>
+              <a:rPr lang="en-IN" sz="1600" dirty="0"/>
               <a:t>means carry data between consumer and provider using HTTP protocol</a:t>
             </a:r>
           </a:p>
@@ -9702,15 +9948,15 @@
               <a:buNone/>
             </a:pPr>
             <a:r>
-              <a:rPr lang="en-IN" sz="1200" dirty="0"/>
+              <a:rPr lang="en-IN" sz="1600" dirty="0"/>
               <a:t>		</a:t>
             </a:r>
             <a:r>
-              <a:rPr lang="en-IN" sz="1200" dirty="0" smtClean="0"/>
+              <a:rPr lang="en-IN" sz="1600" dirty="0" smtClean="0"/>
               <a:t>- </a:t>
             </a:r>
             <a:r>
-              <a:rPr lang="en-IN" sz="1200" dirty="0"/>
+              <a:rPr lang="en-IN" sz="1600" dirty="0"/>
               <a:t>Client state is passed from the client to the service through HTTP.</a:t>
             </a:r>
           </a:p>
@@ -9719,22 +9965,22 @@
               <a:buNone/>
             </a:pPr>
             <a:r>
-              <a:rPr lang="en-IN" sz="1200" dirty="0"/>
+              <a:rPr lang="en-IN" sz="1600" dirty="0"/>
               <a:t>	The author of the REST (It is also called as </a:t>
             </a:r>
             <a:r>
-              <a:rPr lang="en-IN" sz="1200" dirty="0" err="1"/>
+              <a:rPr lang="en-IN" sz="1600" dirty="0" err="1"/>
               <a:t>RESTful</a:t>
             </a:r>
             <a:r>
-              <a:rPr lang="en-IN" sz="1200" dirty="0"/>
+              <a:rPr lang="en-IN" sz="1600" dirty="0"/>
               <a:t> Web Services) is Roy Fielding.</a:t>
             </a:r>
-            <a:endParaRPr lang="en-US" sz="1200" dirty="0"/>
+            <a:endParaRPr lang="en-US" sz="1600" dirty="0"/>
           </a:p>
           <a:p>
             <a:pPr lvl="2"/>
-            <a:endParaRPr lang="en-US" sz="1200" dirty="0"/>
+            <a:endParaRPr lang="en-US" sz="1600" dirty="0"/>
           </a:p>
         </p:txBody>
       </p:sp>
@@ -9854,15 +10100,15 @@
               <a:buNone/>
             </a:pPr>
             <a:r>
-              <a:rPr lang="en-US" sz="1200" dirty="0"/>
+              <a:rPr lang="en-US" sz="1400" dirty="0"/>
               <a:t>The following principles encourage </a:t>
             </a:r>
             <a:r>
-              <a:rPr lang="en-US" sz="1200" dirty="0" err="1"/>
+              <a:rPr lang="en-US" sz="1400" dirty="0" err="1"/>
               <a:t>RESTful</a:t>
             </a:r>
             <a:r>
-              <a:rPr lang="en-US" sz="1200" dirty="0"/>
+              <a:rPr lang="en-US" sz="1400" dirty="0"/>
               <a:t> applications to be simple, lightweight, and fast:</a:t>
             </a:r>
           </a:p>
@@ -9871,11 +10117,11 @@
               <a:buNone/>
             </a:pPr>
             <a:r>
-              <a:rPr lang="en-US" sz="1200" b="1" dirty="0"/>
+              <a:rPr lang="en-US" sz="1400" b="1" dirty="0"/>
               <a:t>Uniform </a:t>
             </a:r>
             <a:r>
-              <a:rPr lang="en-US" sz="1200" b="1" dirty="0" smtClean="0"/>
+              <a:rPr lang="en-US" sz="1400" b="1" dirty="0" smtClean="0"/>
               <a:t>interface:</a:t>
             </a:r>
           </a:p>
@@ -9884,19 +10130,19 @@
               <a:buNone/>
             </a:pPr>
             <a:r>
-              <a:rPr lang="en-US" sz="1200" b="1" dirty="0"/>
+              <a:rPr lang="en-US" sz="1400" b="1" dirty="0"/>
               <a:t>	</a:t>
             </a:r>
             <a:r>
-              <a:rPr lang="en-US" sz="1200" dirty="0" smtClean="0"/>
+              <a:rPr lang="en-US" sz="1400" dirty="0" smtClean="0"/>
               <a:t>This </a:t>
             </a:r>
             <a:r>
-              <a:rPr lang="en-US" sz="1200" dirty="0"/>
+              <a:rPr lang="en-US" sz="1400" dirty="0"/>
               <a:t>is the API of the web service, describing operations and data structures</a:t>
             </a:r>
             <a:r>
-              <a:rPr lang="en-US" sz="1200" dirty="0" smtClean="0"/>
+              <a:rPr lang="en-US" sz="1400" dirty="0" smtClean="0"/>
               <a:t>.</a:t>
             </a:r>
           </a:p>
@@ -9905,7 +10151,7 @@
               <a:buNone/>
             </a:pPr>
             <a:r>
-              <a:rPr lang="en-US" sz="1200" dirty="0"/>
+              <a:rPr lang="en-US" sz="1400" dirty="0"/>
               <a:t>	Resources are manipulated using the following operations(HTTP Methods): PUT, GET, POST, and DELETE. </a:t>
             </a:r>
           </a:p>
@@ -9914,11 +10160,11 @@
               <a:buNone/>
             </a:pPr>
             <a:r>
-              <a:rPr lang="en-US" sz="1200" b="1" dirty="0" smtClean="0"/>
+              <a:rPr lang="en-US" sz="1400" b="1" dirty="0" smtClean="0"/>
               <a:t>Resource </a:t>
             </a:r>
             <a:r>
-              <a:rPr lang="en-US" sz="1200" b="1" dirty="0"/>
+              <a:rPr lang="en-US" sz="1400" b="1" dirty="0"/>
               <a:t>identification through URI: </a:t>
             </a:r>
           </a:p>
@@ -9927,15 +10173,27 @@
               <a:buNone/>
             </a:pPr>
             <a:r>
-              <a:rPr lang="en-US" sz="1200" dirty="0"/>
+              <a:rPr lang="en-US" sz="1400" dirty="0"/>
               <a:t>	Resources are identified by URIs, which provide a global addressing space for resource and service </a:t>
             </a:r>
             <a:r>
-              <a:rPr lang="en-US" sz="1200" dirty="0" smtClean="0"/>
-              <a:t>discovery. for </a:t>
-            </a:r>
-            <a:r>
-              <a:rPr lang="en-US" sz="1200" dirty="0"/>
+              <a:rPr lang="en-US" sz="1400" dirty="0" smtClean="0"/>
+              <a:t>discovery. </a:t>
+            </a:r>
+            <a:r>
+              <a:rPr lang="en-US" sz="1400" dirty="0"/>
+              <a:t>	</a:t>
+            </a:r>
+            <a:r>
+              <a:rPr lang="en-US" sz="1400" dirty="0" smtClean="0"/>
+              <a:t>	</a:t>
+            </a:r>
+            <a:r>
+              <a:rPr lang="en-US" sz="1400" dirty="0" smtClean="0"/>
+              <a:t>for </a:t>
+            </a:r>
+            <a:r>
+              <a:rPr lang="en-US" sz="1400" dirty="0"/>
               <a:t>example, The @Path Annotation</a:t>
             </a:r>
           </a:p>
@@ -9944,11 +10202,11 @@
               <a:buNone/>
             </a:pPr>
             <a:r>
-              <a:rPr lang="en-US" sz="1200" b="1" dirty="0" smtClean="0"/>
+              <a:rPr lang="en-US" sz="1400" b="1" dirty="0" smtClean="0"/>
               <a:t>Self-descriptive </a:t>
             </a:r>
             <a:r>
-              <a:rPr lang="en-US" sz="1200" b="1" dirty="0"/>
+              <a:rPr lang="en-US" sz="1400" b="1" dirty="0"/>
               <a:t>messages:</a:t>
             </a:r>
           </a:p>
@@ -9957,25 +10215,84 @@
               <a:buNone/>
             </a:pPr>
             <a:r>
-              <a:rPr lang="en-US" sz="1200" dirty="0"/>
+              <a:rPr lang="en-US" sz="1400" dirty="0"/>
               <a:t>	Resources are decoupled from their </a:t>
             </a:r>
             <a:r>
-              <a:rPr lang="en-US" sz="1200" dirty="0" smtClean="0"/>
+              <a:rPr lang="en-US" sz="1400" dirty="0" smtClean="0"/>
               <a:t>data representation. Diff </a:t>
             </a:r>
             <a:r>
-              <a:rPr lang="en-US" sz="1200" dirty="0"/>
-              <a:t>formats, such as HTML, XML, plain text, PDF, JPEG, JSON, and others.</a:t>
-            </a:r>
-          </a:p>
-          <a:p>
-            <a:pPr marL="0" lvl="0" indent="0">
-              <a:buNone/>
-            </a:pPr>
-            <a:r>
-              <a:rPr lang="en-US" sz="1200" b="1" dirty="0"/>
+              <a:rPr lang="en-US" sz="1400" dirty="0"/>
+              <a:t>formats, </a:t>
+            </a:r>
+            <a:r>
+              <a:rPr lang="en-US" sz="1400" dirty="0" smtClean="0"/>
+              <a:t>such </a:t>
+            </a:r>
+            <a:r>
+              <a:rPr lang="en-US" sz="1400" dirty="0"/>
+              <a:t>as HTML, XML, plain text, PDF, JPEG, JSON, </a:t>
+            </a:r>
+            <a:r>
+              <a:rPr lang="en-US" sz="1400" dirty="0" smtClean="0"/>
+              <a:t>etc.</a:t>
+            </a:r>
+            <a:r>
+              <a:rPr lang="en-US" sz="1400" dirty="0" smtClean="0"/>
+              <a:t> </a:t>
+            </a:r>
+            <a:r>
+              <a:rPr lang="en-US" sz="1400" b="1" dirty="0" smtClean="0"/>
               <a:t>Stateless</a:t>
+            </a:r>
+            <a:endParaRPr lang="en-US" sz="1400" b="1" dirty="0"/>
+          </a:p>
+          <a:p>
+            <a:pPr marL="457200" lvl="1" indent="0">
+              <a:buNone/>
+            </a:pPr>
+            <a:r>
+              <a:rPr lang="en-US" sz="1400" dirty="0" smtClean="0"/>
+              <a:t>	No </a:t>
+            </a:r>
+            <a:r>
+              <a:rPr lang="en-US" sz="1400" dirty="0"/>
+              <a:t>client context should be store on the server between requests.</a:t>
+            </a:r>
+          </a:p>
+          <a:p>
+            <a:pPr marL="457200" lvl="1" indent="0">
+              <a:buNone/>
+            </a:pPr>
+            <a:r>
+              <a:rPr lang="en-US" sz="1400" dirty="0" smtClean="0"/>
+              <a:t>	Each </a:t>
+            </a:r>
+            <a:r>
+              <a:rPr lang="en-US" sz="1400" dirty="0"/>
+              <a:t>request contains all of the information necessary to service the request and session state is held in the client.</a:t>
+            </a:r>
+          </a:p>
+          <a:p>
+            <a:pPr marL="457200" lvl="1" indent="0">
+              <a:buNone/>
+            </a:pPr>
+            <a:r>
+              <a:rPr lang="en-US" sz="1400" dirty="0" smtClean="0"/>
+              <a:t>	The </a:t>
+            </a:r>
+            <a:r>
+              <a:rPr lang="en-US" sz="1400" dirty="0"/>
+              <a:t>server can be </a:t>
+            </a:r>
+            <a:r>
+              <a:rPr lang="en-US" sz="1400" dirty="0" err="1"/>
+              <a:t>stateful</a:t>
+            </a:r>
+            <a:r>
+              <a:rPr lang="en-US" sz="1400" dirty="0"/>
+              <a:t>, but server-side state must be addressable by URL as a resource.</a:t>
             </a:r>
           </a:p>
           <a:p>
@@ -9983,92 +10300,13 @@
               <a:buFont typeface="Arial" pitchFamily="34" charset="0"/>
               <a:buChar char="•"/>
             </a:pPr>
-            <a:r>
-              <a:rPr lang="en-US" sz="1200" dirty="0"/>
-              <a:t>No client context should be store on the server between requests.</a:t>
-            </a:r>
-          </a:p>
-          <a:p>
-            <a:pPr marL="685800" lvl="1" indent="-228600">
-              <a:buFont typeface="Arial" pitchFamily="34" charset="0"/>
-              <a:buChar char="•"/>
-            </a:pPr>
-            <a:r>
-              <a:rPr lang="en-US" sz="1200" dirty="0"/>
-              <a:t>Each request contains all of the information necessary to service the request and session state is held in the client.</a:t>
-            </a:r>
-          </a:p>
-          <a:p>
-            <a:pPr marL="685800" lvl="1" indent="-228600">
-              <a:buFont typeface="Arial" pitchFamily="34" charset="0"/>
-              <a:buChar char="•"/>
-            </a:pPr>
-            <a:r>
-              <a:rPr lang="en-US" sz="1200" dirty="0"/>
-              <a:t>The server can be </a:t>
-            </a:r>
-            <a:r>
-              <a:rPr lang="en-US" sz="1200" dirty="0" err="1"/>
-              <a:t>stateful</a:t>
-            </a:r>
-            <a:r>
-              <a:rPr lang="en-US" sz="1200" dirty="0"/>
-              <a:t>, but server-side state must be addressable by URL as a resource.</a:t>
-            </a:r>
-          </a:p>
-          <a:p>
-            <a:pPr marL="685800" lvl="1" indent="-228600">
-              <a:buFont typeface="Arial" pitchFamily="34" charset="0"/>
-              <a:buChar char="•"/>
-            </a:pPr>
-            <a:r>
-              <a:rPr lang="en-US" sz="1200" dirty="0"/>
-              <a:t>This makes servers:</a:t>
-            </a:r>
-          </a:p>
-          <a:p>
-            <a:pPr lvl="4" fontAlgn="base">
-              <a:spcBef>
-                <a:spcPct val="30000"/>
-              </a:spcBef>
-              <a:spcAft>
-                <a:spcPct val="0"/>
-              </a:spcAft>
-              <a:buClrTx/>
-              <a:buFont typeface="Calibri" pitchFamily="34" charset="0"/>
-              <a:buChar char="‐"/>
-              <a:defRPr/>
-            </a:pPr>
-            <a:r>
-              <a:rPr lang="en-US" sz="1200" dirty="0"/>
-              <a:t>More scalable.</a:t>
-            </a:r>
-          </a:p>
-          <a:p>
-            <a:pPr lvl="4">
-              <a:buFont typeface="Calibri" pitchFamily="34" charset="0"/>
-              <a:buChar char="‐"/>
-            </a:pPr>
-            <a:r>
-              <a:rPr lang="en-US" sz="1200" dirty="0"/>
-              <a:t>More visible for monitoring.</a:t>
-            </a:r>
-          </a:p>
-          <a:p>
-            <a:pPr lvl="4">
-              <a:buFont typeface="Calibri" pitchFamily="34" charset="0"/>
-              <a:buChar char="‐"/>
-            </a:pPr>
-            <a:r>
-              <a:rPr lang="en-US" sz="1200" dirty="0"/>
-              <a:t>More reliable in the event of partial network failures</a:t>
-            </a:r>
+            <a:endParaRPr lang="en-US" dirty="0"/>
           </a:p>
           <a:p>
             <a:pPr marL="0" indent="0">
               <a:buNone/>
             </a:pPr>
-            <a:endParaRPr lang="en-US" sz="1200" dirty="0"/>
+            <a:endParaRPr lang="en-US" sz="1400" dirty="0"/>
           </a:p>
         </p:txBody>
       </p:sp>
@@ -10527,7 +10765,7 @@
         </p:spPr>
         <p:txBody>
           <a:bodyPr>
-            <a:normAutofit/>
+            <a:noAutofit/>
           </a:bodyPr>
           <a:lstStyle/>
           <a:p>
@@ -10535,21 +10773,21 @@
               <a:buNone/>
             </a:pPr>
             <a:r>
-              <a:rPr lang="en-IN" sz="1000" dirty="0"/>
+              <a:rPr lang="en-IN" sz="1400" dirty="0"/>
               <a:t>The Http request message always starts with one of the http method name such as GET, POST, PUT, DELETE, HEAD, </a:t>
             </a:r>
             <a:r>
-              <a:rPr lang="en-IN" sz="1000" dirty="0" err="1"/>
+              <a:rPr lang="en-IN" sz="1400" dirty="0" err="1"/>
               <a:t>etc</a:t>
             </a:r>
-            <a:endParaRPr lang="en-IN" sz="1000" dirty="0"/>
+            <a:endParaRPr lang="en-IN" sz="1400" dirty="0"/>
           </a:p>
           <a:p>
             <a:pPr marL="0" indent="0">
               <a:buNone/>
             </a:pPr>
             <a:r>
-              <a:rPr lang="en-IN" sz="1000" dirty="0"/>
+              <a:rPr lang="en-IN" sz="1400" dirty="0"/>
               <a:t>It is the responsibility of consumer to prepare and send http request message with appropriate http method name depending on operation:</a:t>
             </a:r>
           </a:p>
@@ -10558,7 +10796,7 @@
               <a:buNone/>
             </a:pPr>
             <a:r>
-              <a:rPr lang="en-IN" sz="1000" dirty="0"/>
+              <a:rPr lang="en-IN" sz="1400" dirty="0"/>
               <a:t>	-The GET method is used to perform READ operation.</a:t>
             </a:r>
           </a:p>
@@ -10567,7 +10805,7 @@
               <a:buNone/>
             </a:pPr>
             <a:r>
-              <a:rPr lang="en-IN" sz="1000" dirty="0"/>
+              <a:rPr lang="en-IN" sz="1400" dirty="0"/>
               <a:t>	-The POST method is used to perform INSERT operation.</a:t>
             </a:r>
           </a:p>
@@ -10576,7 +10814,7 @@
               <a:buNone/>
             </a:pPr>
             <a:r>
-              <a:rPr lang="en-IN" sz="1000" dirty="0"/>
+              <a:rPr lang="en-IN" sz="1400" dirty="0"/>
               <a:t>	-The PUT method is used to perform UPDATE operation. </a:t>
             </a:r>
           </a:p>
@@ -10585,7 +10823,7 @@
               <a:buNone/>
             </a:pPr>
             <a:r>
-              <a:rPr lang="en-IN" sz="1000" dirty="0"/>
+              <a:rPr lang="en-IN" sz="1400" dirty="0"/>
               <a:t>	-The DELETE method is used to perform DELETE operation. </a:t>
             </a:r>
           </a:p>
@@ -10594,11 +10832,11 @@
               <a:buNone/>
             </a:pPr>
             <a:r>
-              <a:rPr lang="en-IN" sz="1000" dirty="0" smtClean="0"/>
+              <a:rPr lang="en-IN" sz="1400" dirty="0" smtClean="0"/>
               <a:t>The </a:t>
             </a:r>
             <a:r>
-              <a:rPr lang="en-IN" sz="1000" dirty="0"/>
+              <a:rPr lang="en-IN" sz="1400" dirty="0"/>
               <a:t>payload means body in http request message is optional and depends on http method name i.e.,</a:t>
             </a:r>
           </a:p>
@@ -10607,7 +10845,7 @@
               <a:buNone/>
             </a:pPr>
             <a:r>
-              <a:rPr lang="en-IN" sz="1000" dirty="0"/>
+              <a:rPr lang="en-IN" sz="1400" dirty="0"/>
               <a:t>	-In case of GET method, the http request message without body</a:t>
             </a:r>
           </a:p>
@@ -10616,7 +10854,7 @@
               <a:buNone/>
             </a:pPr>
             <a:r>
-              <a:rPr lang="en-IN" sz="1000" dirty="0"/>
+              <a:rPr lang="en-IN" sz="1400" dirty="0"/>
               <a:t>	-In case of POST method, the http request message with body</a:t>
             </a:r>
           </a:p>
@@ -10625,11 +10863,11 @@
               <a:buNone/>
             </a:pPr>
             <a:r>
-              <a:rPr lang="en-IN" sz="1000" dirty="0" smtClean="0"/>
+              <a:rPr lang="en-IN" sz="1400" dirty="0" smtClean="0"/>
               <a:t>The </a:t>
             </a:r>
             <a:r>
-              <a:rPr lang="en-IN" sz="1000" dirty="0"/>
+              <a:rPr lang="en-IN" sz="1400" dirty="0"/>
               <a:t>'Content-Type' header name in http request message is used to represent payload format in http request message.</a:t>
             </a:r>
           </a:p>
@@ -10638,10 +10876,10 @@
               <a:buNone/>
             </a:pPr>
             <a:r>
-              <a:rPr lang="en-IN" sz="1000" dirty="0"/>
+              <a:rPr lang="en-IN" sz="1400" dirty="0"/>
               <a:t>The 'Accept' header name in http request message is used to represent expected payload format in http response message.</a:t>
             </a:r>
-            <a:endParaRPr lang="en-US" sz="1000" dirty="0"/>
+            <a:endParaRPr lang="en-US" sz="1400" dirty="0"/>
           </a:p>
         </p:txBody>
       </p:sp>
@@ -11156,7 +11394,7 @@
   <a:extraClrSchemeLst/>
   <a:extLst>
     <a:ext uri="{05A4C25C-085E-4340-85A3-A5531E510DB2}">
-      <thm15:themeFamily xmlns:thm15="http://schemas.microsoft.com/office/thememl/2012/main" xmlns="" name="Retrospect" id="{5F128B03-DCCA-4EEB-AB3B-CF2899314A46}" vid="{3F1AAB62-24C6-49D2-8E01-B56FAC9A3DCD}"/>
+      <thm15:themeFamily xmlns="" xmlns:thm15="http://schemas.microsoft.com/office/thememl/2012/main" name="Retrospect" id="{5F128B03-DCCA-4EEB-AB3B-CF2899314A46}" vid="{3F1AAB62-24C6-49D2-8E01-B56FAC9A3DCD}"/>
     </a:ext>
   </a:extLst>
 </a:theme>
